--- a/2026_제조1팀_경영전략_최종완성판.pptx
+++ b/2026_제조1팀_경영전략_최종완성판.pptx
@@ -3612,7 +3612,7 @@
               </a:defRPr>
             </a:pPr>
             <a:r>
-              <a:t>순간유실 Zero</a:t>
+              <a:t>MES 자동분석 시스템</a:t>
             </a:r>
           </a:p>
         </p:txBody>
@@ -5300,7 +5300,7 @@
               </a:defRPr>
             </a:pPr>
             <a:r>
-              <a:t>• 순간유실시간</a:t>
+              <a:t>• MES 자동분석</a:t>
             </a:r>
           </a:p>
           <a:p>
@@ -5312,7 +5312,7 @@
               </a:defRPr>
             </a:pPr>
             <a:r>
-              <a:t>  → 5% → 2% (60% 감소)</a:t>
+              <a:t>  → ROI 3,159%, 회수기간 11일</a:t>
             </a:r>
           </a:p>
         </p:txBody>
@@ -6402,7 +6402,7 @@
               <a:defRPr sz="3200"/>
             </a:pPr>
             <a:r>
-              <a:t>⏱️</a:t>
+              <a:t>📊</a:t>
             </a:r>
           </a:p>
           <a:p>
@@ -6417,7 +6417,7 @@
               </a:defRPr>
             </a:pPr>
             <a:r>
-              <a:t>순간유실 Zero</a:t>
+              <a:t>MES 자동분석</a:t>
             </a:r>
           </a:p>
           <a:p>
@@ -6432,7 +6432,7 @@
               </a:defRPr>
             </a:pPr>
             <a:r>
-              <a:t>5% → 2%</a:t>
+              <a:t>ROI 3,159%</a:t>
             </a:r>
           </a:p>
         </p:txBody>
@@ -7741,7 +7741,7 @@
               <a:defRPr sz="2800"/>
             </a:pPr>
             <a:r>
-              <a:t>⏱️</a:t>
+              <a:t>📊</a:t>
             </a:r>
           </a:p>
           <a:p>
@@ -7756,11 +7756,11 @@
               </a:defRPr>
             </a:pPr>
             <a:r>
-              <a:t>순간유실</a:t>
+              <a:t>MES</a:t>
             </a:r>
             <a:br/>
             <a:r>
-              <a:t>Zero</a:t>
+              <a:t>자동분석</a:t>
             </a:r>
           </a:p>
           <a:p>
@@ -7775,7 +7775,7 @@
               </a:defRPr>
             </a:pPr>
             <a:r>
-              <a:t>5% → 2%</a:t>
+              <a:t>ROI 3,159%</a:t>
             </a:r>
           </a:p>
         </p:txBody>
@@ -8216,14 +8216,14 @@
           <a:lstStyle/>
           <a:p>
             <a:pPr>
-              <a:defRPr sz="2800" b="1">
+              <a:defRPr sz="2600" b="1">
                 <a:solidFill>
                   <a:srgbClr val="3498DB"/>
                 </a:solidFill>
               </a:defRPr>
             </a:pPr>
             <a:r>
-              <a:t>전략 1: 순간유실 Zero 프로젝트</a:t>
+              <a:t>전략 1: MES 데이터 자동분석 &amp; 현장 가시화 시스템</a:t>
             </a:r>
           </a:p>
         </p:txBody>
@@ -8237,7 +8237,90 @@
         <p:spPr>
           <a:xfrm>
             <a:off x="457200" y="1097280"/>
-            <a:ext cx="3931920" cy="2286000"/>
+            <a:ext cx="3931920" cy="1097280"/>
+          </a:xfrm>
+          <a:prstGeom prst="roundRect">
+            <a:avLst/>
+          </a:prstGeom>
+          <a:solidFill>
+            <a:srgbClr val="FFFACD"/>
+          </a:solidFill>
+          <a:ln w="38100">
+            <a:solidFill>
+              <a:srgbClr val="D4AF37"/>
+            </a:solidFill>
+          </a:ln>
+          <a:effectLst/>
+        </p:spPr>
+        <p:style>
+          <a:lnRef idx="1">
+            <a:schemeClr val="accent1"/>
+          </a:lnRef>
+          <a:fillRef idx="3">
+            <a:schemeClr val="accent1"/>
+          </a:fillRef>
+          <a:effectRef idx="2">
+            <a:schemeClr val="accent1"/>
+          </a:effectRef>
+          <a:fontRef idx="minor">
+            <a:schemeClr val="lt1"/>
+          </a:fontRef>
+        </p:style>
+        <p:txBody>
+          <a:bodyPr rtlCol="0" anchor="ctr"/>
+          <a:lstStyle/>
+          <a:p>
+            <a:pPr algn="ctr">
+              <a:defRPr sz="1800" b="1">
+                <a:solidFill>
+                  <a:srgbClr val="D4AF37"/>
+                </a:solidFill>
+              </a:defRPr>
+            </a:pPr>
+            <a:r>
+              <a:t>💡 핵심 원칙</a:t>
+            </a:r>
+          </a:p>
+          <a:p>
+            <a:br/>
+            <a:pPr algn="ctr">
+              <a:defRPr sz="2200" b="1">
+                <a:solidFill>
+                  <a:srgbClr val="E74C3C"/>
+                </a:solidFill>
+              </a:defRPr>
+            </a:pPr>
+            <a:r>
+              <a:t>작업자 부담 ZERO</a:t>
+            </a:r>
+          </a:p>
+          <a:p>
+            <a:pPr algn="ctr">
+              <a:spcBef>
+                <a:spcPts val="500"/>
+              </a:spcBef>
+              <a:defRPr sz="1200">
+                <a:solidFill>
+                  <a:srgbClr val="192A56"/>
+                </a:solidFill>
+              </a:defRPr>
+            </a:pPr>
+            <a:r>
+              <a:t>기존 MES 유실 등록만 활용</a:t>
+            </a:r>
+          </a:p>
+        </p:txBody>
+      </p:sp>
+      <p:sp>
+        <p:nvSpPr>
+          <p:cNvPr id="4" name="Rounded Rectangle 3"/>
+          <p:cNvSpPr/>
+          <p:nvPr/>
+        </p:nvSpPr>
+        <p:spPr>
+          <a:xfrm>
+            <a:off x="457200" y="2377440"/>
+            <a:ext cx="3931920" cy="1463040"/>
           </a:xfrm>
           <a:prstGeom prst="roundRect">
             <a:avLst/>
@@ -8270,124 +8353,74 @@
           <a:lstStyle/>
           <a:p>
             <a:pPr algn="ctr">
-              <a:defRPr sz="1800" b="1">
+              <a:defRPr sz="1600" b="1">
                 <a:solidFill>
                   <a:srgbClr val="3498DB"/>
                 </a:solidFill>
               </a:defRPr>
             </a:pPr>
             <a:r>
-              <a:t>📊 목표 및 과거 대비</a:t>
+              <a:t>🔄 시스템 구조</a:t>
             </a:r>
           </a:p>
           <a:p>
             <a:pPr>
               <a:spcBef>
-                <a:spcPts val="800"/>
+                <a:spcPts val="600"/>
               </a:spcBef>
-              <a:defRPr sz="1300">
+              <a:defRPr sz="1200">
                 <a:solidFill>
                   <a:srgbClr val="192A56"/>
                 </a:solidFill>
               </a:defRPr>
             </a:pPr>
             <a:r>
-              <a:t>현재 유실시간: 5%</a:t>
+              <a:t>① MES 유실 등록 (기존 운영)</a:t>
             </a:r>
           </a:p>
           <a:p>
             <a:pPr>
               <a:spcBef>
-                <a:spcPts val="800"/>
+                <a:spcPts val="600"/>
               </a:spcBef>
-              <a:defRPr sz="1300">
+              <a:defRPr sz="1200">
                 <a:solidFill>
                   <a:srgbClr val="192A56"/>
                 </a:solidFill>
               </a:defRPr>
             </a:pPr>
             <a:r>
-              <a:t>2026 목표: 2% (60% 감소)</a:t>
+              <a:t>② 5분마다 자동 수집</a:t>
             </a:r>
           </a:p>
           <a:p>
             <a:pPr>
               <a:spcBef>
-                <a:spcPts val="800"/>
+                <a:spcPts val="600"/>
               </a:spcBef>
-              <a:defRPr sz="1300">
+              <a:defRPr sz="1200">
                 <a:solidFill>
                   <a:srgbClr val="192A56"/>
                 </a:solidFill>
               </a:defRPr>
             </a:pPr>
             <a:r>
-              <a:t>과거 5년: 월 단위 분석</a:t>
+              <a:t>③ 로컬 서버 자동 분석</a:t>
             </a:r>
           </a:p>
           <a:p>
             <a:pPr>
               <a:spcBef>
-                <a:spcPts val="800"/>
+                <a:spcPts val="600"/>
               </a:spcBef>
-              <a:defRPr sz="1300">
+              <a:defRPr sz="1200">
                 <a:solidFill>
                   <a:srgbClr val="192A56"/>
                 </a:solidFill>
               </a:defRPr>
             </a:pPr>
             <a:r>
-              <a:t>2026 혁신: 실시간 (초 단위)</a:t>
-            </a:r>
-          </a:p>
-          <a:p>
-            <a:pPr>
-              <a:spcBef>
-                <a:spcPts val="800"/>
-              </a:spcBef>
-              <a:defRPr sz="1300">
-                <a:solidFill>
-                  <a:srgbClr val="192A56"/>
-                </a:solidFill>
-              </a:defRPr>
-            </a:pPr>
-            <a:r>
-              <a:t>대응 속도: 1000배 향상</a:t>
-            </a:r>
-          </a:p>
-        </p:txBody>
-      </p:sp>
-      <p:sp>
-        <p:nvSpPr>
-          <p:cNvPr id="4" name="TextBox 3"/>
-          <p:cNvSpPr txBox="1"/>
-          <p:nvPr/>
-        </p:nvSpPr>
-        <p:spPr>
-          <a:xfrm>
-            <a:off x="4754880" y="1097280"/>
-            <a:ext cx="3931920" cy="320040"/>
-          </a:xfrm>
-          <a:prstGeom prst="rect">
-            <a:avLst/>
-          </a:prstGeom>
-          <a:noFill/>
-        </p:spPr>
-        <p:txBody>
-          <a:bodyPr wrap="none" anchor="ctr">
-            <a:spAutoFit/>
-          </a:bodyPr>
-          <a:lstStyle/>
-          <a:p>
-            <a:pPr>
-              <a:defRPr sz="1200" b="1">
-                <a:solidFill>
-                  <a:srgbClr val="192A56"/>
-                </a:solidFill>
-              </a:defRPr>
-            </a:pPr>
-            <a:r>
-              <a:t>• 실시간 모니터링 시스템</a:t>
+              <a:t>④ 현장 대형 TV 실시간 표시</a:t>
             </a:r>
           </a:p>
         </p:txBody>
@@ -8400,17 +8433,19 @@
         </p:nvSpPr>
         <p:spPr>
           <a:xfrm>
-            <a:off x="4754880" y="1463040"/>
-            <a:ext cx="3200400" cy="274320"/>
+            <a:off x="4754880" y="1097280"/>
+            <a:ext cx="3931920" cy="594360"/>
           </a:xfrm>
           <a:prstGeom prst="roundRect">
             <a:avLst/>
           </a:prstGeom>
           <a:solidFill>
-            <a:srgbClr val="ECF0F1"/>
-          </a:solidFill>
-          <a:ln>
-            <a:noFill/>
+            <a:srgbClr val="FFFFFF"/>
+          </a:solidFill>
+          <a:ln w="25400">
+            <a:solidFill>
+              <a:srgbClr val="3498DB"/>
+            </a:solidFill>
           </a:ln>
         </p:spPr>
         <p:style>
@@ -8431,7 +8466,16 @@
           <a:bodyPr rtlCol="0" anchor="ctr"/>
           <a:lstStyle/>
           <a:p>
-            <a:pPr algn="ctr"/>
+            <a:pPr>
+              <a:defRPr sz="1400" b="1">
+                <a:solidFill>
+                  <a:srgbClr val="192A56"/>
+                </a:solidFill>
+              </a:defRPr>
+            </a:pPr>
+            <a:r>
+              <a:t>📥 MES 데이터 자동 수집</a:t>
+            </a:r>
           </a:p>
         </p:txBody>
       </p:sp>
@@ -8443,17 +8487,19 @@
         </p:nvSpPr>
         <p:spPr>
           <a:xfrm>
-            <a:off x="4754880" y="1463040"/>
-            <a:ext cx="1440180" cy="274320"/>
+            <a:off x="4754880" y="1828800"/>
+            <a:ext cx="3931920" cy="594360"/>
           </a:xfrm>
           <a:prstGeom prst="roundRect">
             <a:avLst/>
           </a:prstGeom>
           <a:solidFill>
-            <a:srgbClr val="3498DB"/>
-          </a:solidFill>
-          <a:ln>
-            <a:noFill/>
+            <a:srgbClr val="FFFFFF"/>
+          </a:solidFill>
+          <a:ln w="25400">
+            <a:solidFill>
+              <a:srgbClr val="3498DB"/>
+            </a:solidFill>
           </a:ln>
         </p:spPr>
         <p:style>
@@ -8474,99 +8520,40 @@
           <a:bodyPr rtlCol="0" anchor="ctr"/>
           <a:lstStyle/>
           <a:p>
-            <a:pPr algn="ctr"/>
-          </a:p>
-        </p:txBody>
-      </p:sp>
-      <p:sp>
-        <p:nvSpPr>
-          <p:cNvPr id="7" name="TextBox 6"/>
-          <p:cNvSpPr txBox="1"/>
-          <p:nvPr/>
-        </p:nvSpPr>
-        <p:spPr>
-          <a:xfrm>
-            <a:off x="8138160" y="1417319"/>
-            <a:ext cx="548640" cy="365760"/>
-          </a:xfrm>
-          <a:prstGeom prst="rect">
-            <a:avLst/>
-          </a:prstGeom>
-          <a:noFill/>
-        </p:spPr>
-        <p:txBody>
-          <a:bodyPr wrap="none" anchor="ctr">
-            <a:spAutoFit/>
-          </a:bodyPr>
-          <a:lstStyle/>
-          <a:p>
             <a:pPr>
-              <a:defRPr sz="1100" b="1">
-                <a:solidFill>
-                  <a:srgbClr val="3498DB"/>
-                </a:solidFill>
-              </a:defRPr>
-            </a:pPr>
-            <a:r>
-              <a:t>45%</a:t>
-            </a:r>
-          </a:p>
-        </p:txBody>
-      </p:sp>
-      <p:sp>
-        <p:nvSpPr>
-          <p:cNvPr id="8" name="TextBox 7"/>
-          <p:cNvSpPr txBox="1"/>
-          <p:nvPr/>
-        </p:nvSpPr>
-        <p:spPr>
-          <a:xfrm>
-            <a:off x="4754880" y="1920240"/>
-            <a:ext cx="3931920" cy="320040"/>
-          </a:xfrm>
-          <a:prstGeom prst="rect">
-            <a:avLst/>
-          </a:prstGeom>
-          <a:noFill/>
-        </p:spPr>
-        <p:txBody>
-          <a:bodyPr wrap="none" anchor="ctr">
-            <a:spAutoFit/>
-          </a:bodyPr>
-          <a:lstStyle/>
-          <a:p>
-            <a:pPr>
-              <a:defRPr sz="1200" b="1">
+              <a:defRPr sz="1400" b="1">
                 <a:solidFill>
                   <a:srgbClr val="192A56"/>
                 </a:solidFill>
               </a:defRPr>
             </a:pPr>
             <a:r>
-              <a:t>• AI 순간정지 자동 감지</a:t>
-            </a:r>
-          </a:p>
-        </p:txBody>
-      </p:sp>
-      <p:sp>
-        <p:nvSpPr>
-          <p:cNvPr id="9" name="Rounded Rectangle 8"/>
+              <a:t>📊 LINE별 유실시간 분석</a:t>
+            </a:r>
+          </a:p>
+        </p:txBody>
+      </p:sp>
+      <p:sp>
+        <p:nvSpPr>
+          <p:cNvPr id="7" name="Rounded Rectangle 6"/>
           <p:cNvSpPr/>
           <p:nvPr/>
         </p:nvSpPr>
         <p:spPr>
           <a:xfrm>
-            <a:off x="4754880" y="2286000"/>
-            <a:ext cx="3200400" cy="274320"/>
+            <a:off x="4754880" y="2560320"/>
+            <a:ext cx="3931920" cy="594360"/>
           </a:xfrm>
           <a:prstGeom prst="roundRect">
             <a:avLst/>
           </a:prstGeom>
           <a:solidFill>
-            <a:srgbClr val="ECF0F1"/>
-          </a:solidFill>
-          <a:ln>
-            <a:noFill/>
+            <a:srgbClr val="FFFFFF"/>
+          </a:solidFill>
+          <a:ln w="25400">
+            <a:solidFill>
+              <a:srgbClr val="3498DB"/>
+            </a:solidFill>
           </a:ln>
         </p:spPr>
         <p:style>
@@ -8587,29 +8574,40 @@
           <a:bodyPr rtlCol="0" anchor="ctr"/>
           <a:lstStyle/>
           <a:p>
-            <a:pPr algn="ctr"/>
-          </a:p>
-        </p:txBody>
-      </p:sp>
-      <p:sp>
-        <p:nvSpPr>
-          <p:cNvPr id="10" name="Rounded Rectangle 9"/>
+            <a:pPr>
+              <a:defRPr sz="1400" b="1">
+                <a:solidFill>
+                  <a:srgbClr val="192A56"/>
+                </a:solidFill>
+              </a:defRPr>
+            </a:pPr>
+            <a:r>
+              <a:t>📈 원인별 통계 및 트렌드</a:t>
+            </a:r>
+          </a:p>
+        </p:txBody>
+      </p:sp>
+      <p:sp>
+        <p:nvSpPr>
+          <p:cNvPr id="8" name="Rounded Rectangle 7"/>
           <p:cNvSpPr/>
           <p:nvPr/>
         </p:nvSpPr>
         <p:spPr>
           <a:xfrm>
-            <a:off x="4754880" y="2286000"/>
-            <a:ext cx="1120139" cy="274320"/>
+            <a:off x="4754880" y="3291840"/>
+            <a:ext cx="3931920" cy="594360"/>
           </a:xfrm>
           <a:prstGeom prst="roundRect">
             <a:avLst/>
           </a:prstGeom>
           <a:solidFill>
-            <a:srgbClr val="3498DB"/>
-          </a:solidFill>
-          <a:ln>
-            <a:noFill/>
+            <a:srgbClr val="FFFFFF"/>
+          </a:solidFill>
+          <a:ln w="25400">
+            <a:solidFill>
+              <a:srgbClr val="3498DB"/>
+            </a:solidFill>
           </a:ln>
         </p:spPr>
         <p:style>
@@ -8630,100 +8628,42 @@
           <a:bodyPr rtlCol="0" anchor="ctr"/>
           <a:lstStyle/>
           <a:p>
-            <a:pPr algn="ctr"/>
-          </a:p>
-        </p:txBody>
-      </p:sp>
-      <p:sp>
-        <p:nvSpPr>
-          <p:cNvPr id="11" name="TextBox 10"/>
-          <p:cNvSpPr txBox="1"/>
-          <p:nvPr/>
-        </p:nvSpPr>
-        <p:spPr>
-          <a:xfrm>
-            <a:off x="8138160" y="2240280"/>
-            <a:ext cx="548640" cy="365760"/>
-          </a:xfrm>
-          <a:prstGeom prst="rect">
-            <a:avLst/>
-          </a:prstGeom>
-          <a:noFill/>
-        </p:spPr>
-        <p:txBody>
-          <a:bodyPr wrap="none" anchor="ctr">
-            <a:spAutoFit/>
-          </a:bodyPr>
-          <a:lstStyle/>
-          <a:p>
             <a:pPr>
-              <a:defRPr sz="1100" b="1">
-                <a:solidFill>
-                  <a:srgbClr val="3498DB"/>
-                </a:solidFill>
-              </a:defRPr>
-            </a:pPr>
-            <a:r>
-              <a:t>35%</a:t>
-            </a:r>
-          </a:p>
-        </p:txBody>
-      </p:sp>
-      <p:sp>
-        <p:nvSpPr>
-          <p:cNvPr id="12" name="TextBox 11"/>
-          <p:cNvSpPr txBox="1"/>
-          <p:nvPr/>
-        </p:nvSpPr>
-        <p:spPr>
-          <a:xfrm>
-            <a:off x="4754880" y="2743200"/>
-            <a:ext cx="3931920" cy="320040"/>
-          </a:xfrm>
-          <a:prstGeom prst="rect">
-            <a:avLst/>
-          </a:prstGeom>
-          <a:noFill/>
-        </p:spPr>
-        <p:txBody>
-          <a:bodyPr wrap="none" anchor="ctr">
-            <a:spAutoFit/>
-          </a:bodyPr>
-          <a:lstStyle/>
-          <a:p>
-            <a:pPr>
-              <a:defRPr sz="1200" b="1">
+              <a:defRPr sz="1400" b="1">
                 <a:solidFill>
                   <a:srgbClr val="192A56"/>
                 </a:solidFill>
               </a:defRPr>
             </a:pPr>
             <a:r>
-              <a:t>• MES 연동 데이터 수집</a:t>
-            </a:r>
-          </a:p>
-        </p:txBody>
-      </p:sp>
-      <p:sp>
-        <p:nvSpPr>
-          <p:cNvPr id="13" name="Rounded Rectangle 12"/>
+              <a:t>🖥️ 현장 대형 화면 표시</a:t>
+            </a:r>
+          </a:p>
+        </p:txBody>
+      </p:sp>
+      <p:sp>
+        <p:nvSpPr>
+          <p:cNvPr id="9" name="Rounded Rectangle 8"/>
           <p:cNvSpPr/>
           <p:nvPr/>
         </p:nvSpPr>
         <p:spPr>
           <a:xfrm>
-            <a:off x="4754880" y="3108960"/>
-            <a:ext cx="3200400" cy="274320"/>
+            <a:off x="457200" y="4114800"/>
+            <a:ext cx="3931920" cy="2011680"/>
           </a:xfrm>
           <a:prstGeom prst="roundRect">
             <a:avLst/>
           </a:prstGeom>
           <a:solidFill>
-            <a:srgbClr val="ECF0F1"/>
-          </a:solidFill>
-          <a:ln>
-            <a:noFill/>
+            <a:srgbClr val="F0FFF0"/>
+          </a:solidFill>
+          <a:ln w="38100">
+            <a:solidFill>
+              <a:srgbClr val="2ECC71"/>
+            </a:solidFill>
           </a:ln>
+          <a:effectLst/>
         </p:spPr>
         <p:style>
           <a:lnRef idx="1">
@@ -8743,29 +8683,92 @@
           <a:bodyPr rtlCol="0" anchor="ctr"/>
           <a:lstStyle/>
           <a:p>
-            <a:pPr algn="ctr"/>
-          </a:p>
-        </p:txBody>
-      </p:sp>
-      <p:sp>
-        <p:nvSpPr>
-          <p:cNvPr id="14" name="Rounded Rectangle 13"/>
+            <a:pPr algn="ctr">
+              <a:defRPr sz="1800" b="1">
+                <a:solidFill>
+                  <a:srgbClr val="2ECC71"/>
+                </a:solidFill>
+              </a:defRPr>
+            </a:pPr>
+            <a:r>
+              <a:t>💰 경제성 분석</a:t>
+            </a:r>
+          </a:p>
+          <a:p>
+            <a:br/>
+            <a:pPr algn="ctr">
+              <a:defRPr sz="1400" b="1">
+                <a:solidFill>
+                  <a:srgbClr val="192A56"/>
+                </a:solidFill>
+              </a:defRPr>
+            </a:pPr>
+            <a:r>
+              <a:t>투자 비용: 280만원</a:t>
+            </a:r>
+          </a:p>
+          <a:p>
+            <a:br/>
+            <a:pPr algn="ctr">
+              <a:defRPr sz="1400" b="1">
+                <a:solidFill>
+                  <a:srgbClr val="2ECC71"/>
+                </a:solidFill>
+              </a:defRPr>
+            </a:pPr>
+            <a:r>
+              <a:t>ROI: 3,159%</a:t>
+            </a:r>
+          </a:p>
+          <a:p>
+            <a:br/>
+            <a:pPr algn="ctr">
+              <a:defRPr sz="1400" b="1">
+                <a:solidFill>
+                  <a:srgbClr val="E67E22"/>
+                </a:solidFill>
+              </a:defRPr>
+            </a:pPr>
+            <a:r>
+              <a:t>회수 기간: 11일</a:t>
+            </a:r>
+          </a:p>
+          <a:p>
+            <a:br/>
+            <a:pPr algn="ctr">
+              <a:defRPr sz="1400" b="1">
+                <a:solidFill>
+                  <a:srgbClr val="9B59B6"/>
+                </a:solidFill>
+              </a:defRPr>
+            </a:pPr>
+            <a:r>
+              <a:t>연간 효과: 8,845만원</a:t>
+            </a:r>
+          </a:p>
+        </p:txBody>
+      </p:sp>
+      <p:sp>
+        <p:nvSpPr>
+          <p:cNvPr id="10" name="Rounded Rectangle 9"/>
           <p:cNvSpPr/>
           <p:nvPr/>
         </p:nvSpPr>
         <p:spPr>
           <a:xfrm>
-            <a:off x="4754880" y="3108960"/>
-            <a:ext cx="1760220" cy="274320"/>
+            <a:off x="4754880" y="4114800"/>
+            <a:ext cx="3931920" cy="2011680"/>
           </a:xfrm>
           <a:prstGeom prst="roundRect">
             <a:avLst/>
           </a:prstGeom>
           <a:solidFill>
-            <a:srgbClr val="3498DB"/>
-          </a:solidFill>
-          <a:ln>
-            <a:noFill/>
+            <a:srgbClr val="F5FAFF"/>
+          </a:solidFill>
+          <a:ln w="25400">
+            <a:solidFill>
+              <a:srgbClr val="3498DB"/>
+            </a:solidFill>
           </a:ln>
         </p:spPr>
         <p:style>
@@ -8786,439 +8789,105 @@
           <a:bodyPr rtlCol="0" anchor="ctr"/>
           <a:lstStyle/>
           <a:p>
-            <a:pPr algn="ctr"/>
-          </a:p>
-        </p:txBody>
-      </p:sp>
-      <p:sp>
-        <p:nvSpPr>
-          <p:cNvPr id="15" name="TextBox 14"/>
-          <p:cNvSpPr txBox="1"/>
-          <p:nvPr/>
-        </p:nvSpPr>
-        <p:spPr>
-          <a:xfrm>
-            <a:off x="8138160" y="3063240"/>
-            <a:ext cx="548640" cy="365760"/>
-          </a:xfrm>
-          <a:prstGeom prst="rect">
-            <a:avLst/>
-          </a:prstGeom>
-          <a:noFill/>
-        </p:spPr>
-        <p:txBody>
-          <a:bodyPr wrap="none" anchor="ctr">
-            <a:spAutoFit/>
-          </a:bodyPr>
-          <a:lstStyle/>
+            <a:pPr algn="ctr">
+              <a:defRPr sz="1800" b="1">
+                <a:solidFill>
+                  <a:srgbClr val="3498DB"/>
+                </a:solidFill>
+              </a:defRPr>
+            </a:pPr>
+            <a:r>
+              <a:t>🎯 기대효과</a:t>
+            </a:r>
+          </a:p>
           <a:p>
             <a:pPr>
-              <a:defRPr sz="1100" b="1">
-                <a:solidFill>
-                  <a:srgbClr val="3498DB"/>
-                </a:solidFill>
-              </a:defRPr>
-            </a:pPr>
-            <a:r>
-              <a:t>55%</a:t>
-            </a:r>
-          </a:p>
-        </p:txBody>
-      </p:sp>
-      <p:sp>
-        <p:nvSpPr>
-          <p:cNvPr id="16" name="TextBox 15"/>
-          <p:cNvSpPr txBox="1"/>
-          <p:nvPr/>
-        </p:nvSpPr>
-        <p:spPr>
-          <a:xfrm>
-            <a:off x="4754880" y="3566160"/>
-            <a:ext cx="3931920" cy="320040"/>
-          </a:xfrm>
-          <a:prstGeom prst="rect">
-            <a:avLst/>
-          </a:prstGeom>
-          <a:noFill/>
-        </p:spPr>
-        <p:txBody>
-          <a:bodyPr wrap="none" anchor="ctr">
-            <a:spAutoFit/>
-          </a:bodyPr>
-          <a:lstStyle/>
+              <a:spcBef>
+                <a:spcPts val="600"/>
+              </a:spcBef>
+              <a:defRPr sz="1300">
+                <a:solidFill>
+                  <a:srgbClr val="192A56"/>
+                </a:solidFill>
+              </a:defRPr>
+            </a:pPr>
+            <a:r>
+              <a:t>✓ 유실 원인 즉시 파악</a:t>
+            </a:r>
+          </a:p>
           <a:p>
             <a:pPr>
-              <a:defRPr sz="1200" b="1">
+              <a:spcBef>
+                <a:spcPts val="600"/>
+              </a:spcBef>
+              <a:defRPr sz="1300">
                 <a:solidFill>
                   <a:srgbClr val="192A56"/>
                 </a:solidFill>
               </a:defRPr>
             </a:pPr>
             <a:r>
-              <a:t>• 유실 원인 자동 분석</a:t>
-            </a:r>
-          </a:p>
-        </p:txBody>
-      </p:sp>
-      <p:sp>
-        <p:nvSpPr>
-          <p:cNvPr id="17" name="Rounded Rectangle 16"/>
-          <p:cNvSpPr/>
-          <p:nvPr/>
-        </p:nvSpPr>
-        <p:spPr>
-          <a:xfrm>
-            <a:off x="4754880" y="3931920"/>
-            <a:ext cx="3200400" cy="274320"/>
-          </a:xfrm>
-          <a:prstGeom prst="roundRect">
-            <a:avLst/>
-          </a:prstGeom>
-          <a:solidFill>
-            <a:srgbClr val="ECF0F1"/>
-          </a:solidFill>
-          <a:ln>
-            <a:noFill/>
-          </a:ln>
-        </p:spPr>
-        <p:style>
-          <a:lnRef idx="1">
-            <a:schemeClr val="accent1"/>
-          </a:lnRef>
-          <a:fillRef idx="3">
-            <a:schemeClr val="accent1"/>
-          </a:fillRef>
-          <a:effectRef idx="2">
-            <a:schemeClr val="accent1"/>
-          </a:effectRef>
-          <a:fontRef idx="minor">
-            <a:schemeClr val="lt1"/>
-          </a:fontRef>
-        </p:style>
-        <p:txBody>
-          <a:bodyPr rtlCol="0" anchor="ctr"/>
-          <a:lstStyle/>
-          <a:p>
-            <a:pPr algn="ctr"/>
-          </a:p>
-        </p:txBody>
-      </p:sp>
-      <p:sp>
-        <p:nvSpPr>
-          <p:cNvPr id="18" name="Rounded Rectangle 17"/>
-          <p:cNvSpPr/>
-          <p:nvPr/>
-        </p:nvSpPr>
-        <p:spPr>
-          <a:xfrm>
-            <a:off x="4754880" y="3931920"/>
-            <a:ext cx="960120" cy="274320"/>
-          </a:xfrm>
-          <a:prstGeom prst="roundRect">
-            <a:avLst/>
-          </a:prstGeom>
-          <a:solidFill>
-            <a:srgbClr val="3498DB"/>
-          </a:solidFill>
-          <a:ln>
-            <a:noFill/>
-          </a:ln>
-        </p:spPr>
-        <p:style>
-          <a:lnRef idx="1">
-            <a:schemeClr val="accent1"/>
-          </a:lnRef>
-          <a:fillRef idx="3">
-            <a:schemeClr val="accent1"/>
-          </a:fillRef>
-          <a:effectRef idx="2">
-            <a:schemeClr val="accent1"/>
-          </a:effectRef>
-          <a:fontRef idx="minor">
-            <a:schemeClr val="lt1"/>
-          </a:fontRef>
-        </p:style>
-        <p:txBody>
-          <a:bodyPr rtlCol="0" anchor="ctr"/>
-          <a:lstStyle/>
-          <a:p>
-            <a:pPr algn="ctr"/>
-          </a:p>
-        </p:txBody>
-      </p:sp>
-      <p:sp>
-        <p:nvSpPr>
-          <p:cNvPr id="19" name="TextBox 18"/>
-          <p:cNvSpPr txBox="1"/>
-          <p:nvPr/>
-        </p:nvSpPr>
-        <p:spPr>
-          <a:xfrm>
-            <a:off x="8138160" y="3886200"/>
-            <a:ext cx="548640" cy="365760"/>
-          </a:xfrm>
-          <a:prstGeom prst="rect">
-            <a:avLst/>
-          </a:prstGeom>
-          <a:noFill/>
-        </p:spPr>
-        <p:txBody>
-          <a:bodyPr wrap="none" anchor="ctr">
-            <a:spAutoFit/>
-          </a:bodyPr>
-          <a:lstStyle/>
+              <a:t>✓ LINE별 실시간 가시화</a:t>
+            </a:r>
+          </a:p>
           <a:p>
             <a:pPr>
-              <a:defRPr sz="1100" b="1">
-                <a:solidFill>
-                  <a:srgbClr val="3498DB"/>
-                </a:solidFill>
-              </a:defRPr>
-            </a:pPr>
-            <a:r>
-              <a:t>30%</a:t>
-            </a:r>
-          </a:p>
-        </p:txBody>
-      </p:sp>
-      <p:sp>
-        <p:nvSpPr>
-          <p:cNvPr id="20" name="Rounded Rectangle 19"/>
-          <p:cNvSpPr/>
-          <p:nvPr/>
-        </p:nvSpPr>
-        <p:spPr>
-          <a:xfrm>
-            <a:off x="457200" y="3840480"/>
-            <a:ext cx="8229600" cy="2286000"/>
-          </a:xfrm>
-          <a:prstGeom prst="roundRect">
-            <a:avLst/>
-          </a:prstGeom>
-          <a:solidFill>
-            <a:srgbClr val="F5FAFF"/>
-          </a:solidFill>
-          <a:ln w="25400">
-            <a:solidFill>
-              <a:srgbClr val="3498DB"/>
-            </a:solidFill>
-          </a:ln>
-        </p:spPr>
-        <p:style>
-          <a:lnRef idx="1">
-            <a:schemeClr val="accent1"/>
-          </a:lnRef>
-          <a:fillRef idx="3">
-            <a:schemeClr val="accent1"/>
-          </a:fillRef>
-          <a:effectRef idx="2">
-            <a:schemeClr val="accent1"/>
-          </a:effectRef>
-          <a:fontRef idx="minor">
-            <a:schemeClr val="lt1"/>
-          </a:fontRef>
-        </p:style>
-        <p:txBody>
-          <a:bodyPr rtlCol="0" anchor="ctr"/>
-          <a:lstStyle/>
-          <a:p>
-            <a:pPr algn="ctr">
-              <a:defRPr sz="2000" b="1">
-                <a:solidFill>
-                  <a:srgbClr val="3498DB"/>
-                </a:solidFill>
-              </a:defRPr>
-            </a:pPr>
-            <a:r>
-              <a:t>🎯 기대효과</a:t>
-            </a:r>
-          </a:p>
-        </p:txBody>
-      </p:sp>
-      <p:sp>
-        <p:nvSpPr>
-          <p:cNvPr id="21" name="TextBox 20"/>
-          <p:cNvSpPr txBox="1"/>
-          <p:nvPr/>
-        </p:nvSpPr>
-        <p:spPr>
-          <a:xfrm>
-            <a:off x="731520" y="4389120"/>
-            <a:ext cx="3840480" cy="640080"/>
-          </a:xfrm>
-          <a:prstGeom prst="rect">
-            <a:avLst/>
-          </a:prstGeom>
-          <a:noFill/>
-        </p:spPr>
-        <p:txBody>
-          <a:bodyPr wrap="none">
-            <a:spAutoFit/>
-          </a:bodyPr>
-          <a:lstStyle/>
+              <a:spcBef>
+                <a:spcPts val="600"/>
+              </a:spcBef>
+              <a:defRPr sz="1300">
+                <a:solidFill>
+                  <a:srgbClr val="192A56"/>
+                </a:solidFill>
+              </a:defRPr>
+            </a:pPr>
+            <a:r>
+              <a:t>✓ 데이터 기반 의사결정</a:t>
+            </a:r>
+          </a:p>
           <a:p>
             <a:pPr>
-              <a:defRPr sz="1500" b="1">
-                <a:solidFill>
-                  <a:srgbClr val="3498DB"/>
-                </a:solidFill>
-              </a:defRPr>
-            </a:pPr>
-            <a:r>
-              <a:t>✓ 유실시간 60% 감소</a:t>
+              <a:spcBef>
+                <a:spcPts val="600"/>
+              </a:spcBef>
+              <a:defRPr sz="1300">
+                <a:solidFill>
+                  <a:srgbClr val="192A56"/>
+                </a:solidFill>
+              </a:defRPr>
+            </a:pPr>
+            <a:r>
+              <a:t>✓ 유실시간 20% 감소</a:t>
             </a:r>
           </a:p>
           <a:p>
             <a:pPr>
-              <a:defRPr sz="1200">
-                <a:solidFill>
-                  <a:srgbClr val="34495E"/>
-                </a:solidFill>
-              </a:defRPr>
-            </a:pPr>
-            <a:r>
-              <a:t>   → 5% → 2%</a:t>
-            </a:r>
-          </a:p>
-        </p:txBody>
-      </p:sp>
-      <p:sp>
-        <p:nvSpPr>
-          <p:cNvPr id="22" name="TextBox 21"/>
-          <p:cNvSpPr txBox="1"/>
-          <p:nvPr/>
-        </p:nvSpPr>
-        <p:spPr>
-          <a:xfrm>
-            <a:off x="5029200" y="4389120"/>
-            <a:ext cx="3840480" cy="640080"/>
-          </a:xfrm>
-          <a:prstGeom prst="rect">
-            <a:avLst/>
-          </a:prstGeom>
-          <a:noFill/>
-        </p:spPr>
-        <p:txBody>
-          <a:bodyPr wrap="none">
-            <a:spAutoFit/>
-          </a:bodyPr>
-          <a:lstStyle/>
+              <a:spcBef>
+                <a:spcPts val="600"/>
+              </a:spcBef>
+              <a:defRPr sz="1300">
+                <a:solidFill>
+                  <a:srgbClr val="192A56"/>
+                </a:solidFill>
+              </a:defRPr>
+            </a:pPr>
+            <a:r>
+              <a:t>✓ 생산성 5% 향상</a:t>
+            </a:r>
+          </a:p>
           <a:p>
             <a:pPr>
-              <a:defRPr sz="1500" b="1">
-                <a:solidFill>
-                  <a:srgbClr val="2ECC71"/>
-                </a:solidFill>
-              </a:defRPr>
-            </a:pPr>
-            <a:r>
-              <a:t>✓ 대응속도 1000배 향상</a:t>
-            </a:r>
-          </a:p>
-          <a:p>
-            <a:pPr>
-              <a:defRPr sz="1200">
-                <a:solidFill>
-                  <a:srgbClr val="34495E"/>
-                </a:solidFill>
-              </a:defRPr>
-            </a:pPr>
-            <a:r>
-              <a:t>   → 월 단위 → 초 단위</a:t>
-            </a:r>
-          </a:p>
-        </p:txBody>
-      </p:sp>
-      <p:sp>
-        <p:nvSpPr>
-          <p:cNvPr id="23" name="TextBox 22"/>
-          <p:cNvSpPr txBox="1"/>
-          <p:nvPr/>
-        </p:nvSpPr>
-        <p:spPr>
-          <a:xfrm>
-            <a:off x="731520" y="5212080"/>
-            <a:ext cx="3840480" cy="640080"/>
-          </a:xfrm>
-          <a:prstGeom prst="rect">
-            <a:avLst/>
-          </a:prstGeom>
-          <a:noFill/>
-        </p:spPr>
-        <p:txBody>
-          <a:bodyPr wrap="none">
-            <a:spAutoFit/>
-          </a:bodyPr>
-          <a:lstStyle/>
-          <a:p>
-            <a:pPr>
-              <a:defRPr sz="1500" b="1">
-                <a:solidFill>
-                  <a:srgbClr val="E67E22"/>
-                </a:solidFill>
-              </a:defRPr>
-            </a:pPr>
-            <a:r>
-              <a:t>✓ 생산성 5% 증가</a:t>
-            </a:r>
-          </a:p>
-          <a:p>
-            <a:pPr>
-              <a:defRPr sz="1200">
-                <a:solidFill>
-                  <a:srgbClr val="34495E"/>
-                </a:solidFill>
-              </a:defRPr>
-            </a:pPr>
-            <a:r>
-              <a:t>   → CAPA 효율 극대화</a:t>
-            </a:r>
-          </a:p>
-        </p:txBody>
-      </p:sp>
-      <p:sp>
-        <p:nvSpPr>
-          <p:cNvPr id="24" name="TextBox 23"/>
-          <p:cNvSpPr txBox="1"/>
-          <p:nvPr/>
-        </p:nvSpPr>
-        <p:spPr>
-          <a:xfrm>
-            <a:off x="5029200" y="5212080"/>
-            <a:ext cx="3840480" cy="640080"/>
-          </a:xfrm>
-          <a:prstGeom prst="rect">
-            <a:avLst/>
-          </a:prstGeom>
-          <a:noFill/>
-        </p:spPr>
-        <p:txBody>
-          <a:bodyPr wrap="none">
-            <a:spAutoFit/>
-          </a:bodyPr>
-          <a:lstStyle/>
-          <a:p>
-            <a:pPr>
-              <a:defRPr sz="1500" b="1">
-                <a:solidFill>
-                  <a:srgbClr val="9B59B6"/>
-                </a:solidFill>
-              </a:defRPr>
-            </a:pPr>
-            <a:r>
-              <a:t>✓ 가공비 3% 절감</a:t>
-            </a:r>
-          </a:p>
-          <a:p>
-            <a:pPr>
-              <a:defRPr sz="1200">
-                <a:solidFill>
-                  <a:srgbClr val="34495E"/>
-                </a:solidFill>
-              </a:defRPr>
-            </a:pPr>
-            <a:r>
-              <a:t>   → 연간 수억원 절감</a:t>
+              <a:spcBef>
+                <a:spcPts val="600"/>
+              </a:spcBef>
+              <a:defRPr sz="1300">
+                <a:solidFill>
+                  <a:srgbClr val="192A56"/>
+                </a:solidFill>
+              </a:defRPr>
+            </a:pPr>
+            <a:r>
+              <a:t>✓ 관리자 업무 효율 50% ↑</a:t>
             </a:r>
           </a:p>
         </p:txBody>
@@ -11826,7 +11495,7 @@
               </a:defRPr>
             </a:pPr>
             <a:r>
-              <a:t>순간유실 Zero + 불량재발 Zero + 설비CAPA 증대 + 설비관리 혁신</a:t>
+              <a:t>MES 자동분석 + 불량재발 Zero + 설비CAPA 증대 + 설비관리 혁신</a:t>
             </a:r>
           </a:p>
           <a:p>
